--- a/Virtual Stock Market.pptx
+++ b/Virtual Stock Market.pptx
@@ -4,6 +4,9 @@
   <p:sldMasterIdLst>
     <p:sldMasterId id="2147483660" r:id="rId1"/>
   </p:sldMasterIdLst>
+  <p:notesMasterIdLst>
+    <p:notesMasterId r:id="rId22"/>
+  </p:notesMasterIdLst>
   <p:sldIdLst>
     <p:sldId id="256" r:id="rId2"/>
     <p:sldId id="257" r:id="rId3"/>
@@ -13,6 +16,18 @@
     <p:sldId id="261" r:id="rId7"/>
     <p:sldId id="262" r:id="rId8"/>
     <p:sldId id="263" r:id="rId9"/>
+    <p:sldId id="264" r:id="rId10"/>
+    <p:sldId id="265" r:id="rId11"/>
+    <p:sldId id="266" r:id="rId12"/>
+    <p:sldId id="267" r:id="rId13"/>
+    <p:sldId id="268" r:id="rId14"/>
+    <p:sldId id="269" r:id="rId15"/>
+    <p:sldId id="274" r:id="rId16"/>
+    <p:sldId id="273" r:id="rId17"/>
+    <p:sldId id="270" r:id="rId18"/>
+    <p:sldId id="275" r:id="rId19"/>
+    <p:sldId id="271" r:id="rId20"/>
+    <p:sldId id="272" r:id="rId21"/>
   </p:sldIdLst>
   <p:sldSz cx="12192000" cy="6858000"/>
   <p:notesSz cx="6858000" cy="9144000"/>
@@ -111,7 +126,361 @@
       </a:defRPr>
     </a:lvl9pPr>
   </p:defaultTextStyle>
+  <p:extLst>
+    <p:ext uri="{EFAFB233-063F-42B5-8137-9DF3F51BA10A}">
+      <p15:sldGuideLst xmlns:p15="http://schemas.microsoft.com/office/powerpoint/2012/main"/>
+    </p:ext>
+  </p:extLst>
 </p:presentation>
+</file>
+
+<file path=ppt/notesMasters/notesMaster1.xml><?xml version="1.0" encoding="utf-8"?>
+<p:notesMaster xmlns:a="http://schemas.openxmlformats.org/drawingml/2006/main" xmlns:r="http://schemas.openxmlformats.org/officeDocument/2006/relationships" xmlns:p="http://schemas.openxmlformats.org/presentationml/2006/main">
+  <p:cSld>
+    <p:bg>
+      <p:bgRef idx="1001">
+        <a:schemeClr val="bg1"/>
+      </p:bgRef>
+    </p:bg>
+    <p:spTree>
+      <p:nvGrpSpPr>
+        <p:cNvPr id="1" name=""/>
+        <p:cNvGrpSpPr/>
+        <p:nvPr/>
+      </p:nvGrpSpPr>
+      <p:grpSpPr>
+        <a:xfrm>
+          <a:off x="0" y="0"/>
+          <a:ext cx="0" cy="0"/>
+          <a:chOff x="0" y="0"/>
+          <a:chExt cx="0" cy="0"/>
+        </a:xfrm>
+      </p:grpSpPr>
+      <p:sp>
+        <p:nvSpPr>
+          <p:cNvPr id="2" name="Header Placeholder 1"/>
+          <p:cNvSpPr>
+            <a:spLocks noGrp="1"/>
+          </p:cNvSpPr>
+          <p:nvPr>
+            <p:ph type="hdr" sz="quarter"/>
+          </p:nvPr>
+        </p:nvSpPr>
+        <p:spPr>
+          <a:xfrm>
+            <a:off x="0" y="0"/>
+            <a:ext cx="2971800" cy="458788"/>
+          </a:xfrm>
+          <a:prstGeom prst="rect">
+            <a:avLst/>
+          </a:prstGeom>
+        </p:spPr>
+        <p:txBody>
+          <a:bodyPr vert="horz" lIns="91440" tIns="45720" rIns="91440" bIns="45720" rtlCol="0"/>
+          <a:lstStyle>
+            <a:lvl1pPr algn="l">
+              <a:defRPr sz="1200"/>
+            </a:lvl1pPr>
+          </a:lstStyle>
+          <a:p>
+            <a:endParaRPr lang="en-US"/>
+          </a:p>
+        </p:txBody>
+      </p:sp>
+      <p:sp>
+        <p:nvSpPr>
+          <p:cNvPr id="3" name="Date Placeholder 2"/>
+          <p:cNvSpPr>
+            <a:spLocks noGrp="1"/>
+          </p:cNvSpPr>
+          <p:nvPr>
+            <p:ph type="dt" idx="1"/>
+          </p:nvPr>
+        </p:nvSpPr>
+        <p:spPr>
+          <a:xfrm>
+            <a:off x="3884613" y="0"/>
+            <a:ext cx="2971800" cy="458788"/>
+          </a:xfrm>
+          <a:prstGeom prst="rect">
+            <a:avLst/>
+          </a:prstGeom>
+        </p:spPr>
+        <p:txBody>
+          <a:bodyPr vert="horz" lIns="91440" tIns="45720" rIns="91440" bIns="45720" rtlCol="0"/>
+          <a:lstStyle>
+            <a:lvl1pPr algn="r">
+              <a:defRPr sz="1200"/>
+            </a:lvl1pPr>
+          </a:lstStyle>
+          <a:p>
+            <a:fld id="{E06EF323-7D06-4D31-B679-4BBC9CE36A52}" type="datetimeFigureOut">
+              <a:rPr lang="en-US" smtClean="0"/>
+              <a:t>1/24/2020</a:t>
+            </a:fld>
+            <a:endParaRPr lang="en-US"/>
+          </a:p>
+        </p:txBody>
+      </p:sp>
+      <p:sp>
+        <p:nvSpPr>
+          <p:cNvPr id="4" name="Slide Image Placeholder 3"/>
+          <p:cNvSpPr>
+            <a:spLocks noGrp="1" noRot="1" noChangeAspect="1"/>
+          </p:cNvSpPr>
+          <p:nvPr>
+            <p:ph type="sldImg" idx="2"/>
+          </p:nvPr>
+        </p:nvSpPr>
+        <p:spPr>
+          <a:xfrm>
+            <a:off x="685800" y="1143000"/>
+            <a:ext cx="5486400" cy="3086100"/>
+          </a:xfrm>
+          <a:prstGeom prst="rect">
+            <a:avLst/>
+          </a:prstGeom>
+          <a:noFill/>
+          <a:ln w="12700">
+            <a:solidFill>
+              <a:prstClr val="black"/>
+            </a:solidFill>
+          </a:ln>
+        </p:spPr>
+        <p:txBody>
+          <a:bodyPr vert="horz" lIns="91440" tIns="45720" rIns="91440" bIns="45720" rtlCol="0" anchor="ctr"/>
+          <a:lstStyle/>
+          <a:p>
+            <a:endParaRPr lang="en-US"/>
+          </a:p>
+        </p:txBody>
+      </p:sp>
+      <p:sp>
+        <p:nvSpPr>
+          <p:cNvPr id="5" name="Notes Placeholder 4"/>
+          <p:cNvSpPr>
+            <a:spLocks noGrp="1"/>
+          </p:cNvSpPr>
+          <p:nvPr>
+            <p:ph type="body" sz="quarter" idx="3"/>
+          </p:nvPr>
+        </p:nvSpPr>
+        <p:spPr>
+          <a:xfrm>
+            <a:off x="685800" y="4400550"/>
+            <a:ext cx="5486400" cy="3600450"/>
+          </a:xfrm>
+          <a:prstGeom prst="rect">
+            <a:avLst/>
+          </a:prstGeom>
+        </p:spPr>
+        <p:txBody>
+          <a:bodyPr vert="horz" lIns="91440" tIns="45720" rIns="91440" bIns="45720" rtlCol="0"/>
+          <a:lstStyle/>
+          <a:p>
+            <a:pPr lvl="0"/>
+            <a:r>
+              <a:rPr lang="en-US"/>
+              <a:t>Click to edit Master text styles</a:t>
+            </a:r>
+          </a:p>
+          <a:p>
+            <a:pPr lvl="1"/>
+            <a:r>
+              <a:rPr lang="en-US"/>
+              <a:t>Second level</a:t>
+            </a:r>
+          </a:p>
+          <a:p>
+            <a:pPr lvl="2"/>
+            <a:r>
+              <a:rPr lang="en-US"/>
+              <a:t>Third level</a:t>
+            </a:r>
+          </a:p>
+          <a:p>
+            <a:pPr lvl="3"/>
+            <a:r>
+              <a:rPr lang="en-US"/>
+              <a:t>Fourth level</a:t>
+            </a:r>
+          </a:p>
+          <a:p>
+            <a:pPr lvl="4"/>
+            <a:r>
+              <a:rPr lang="en-US"/>
+              <a:t>Fifth level</a:t>
+            </a:r>
+          </a:p>
+        </p:txBody>
+      </p:sp>
+      <p:sp>
+        <p:nvSpPr>
+          <p:cNvPr id="6" name="Footer Placeholder 5"/>
+          <p:cNvSpPr>
+            <a:spLocks noGrp="1"/>
+          </p:cNvSpPr>
+          <p:nvPr>
+            <p:ph type="ftr" sz="quarter" idx="4"/>
+          </p:nvPr>
+        </p:nvSpPr>
+        <p:spPr>
+          <a:xfrm>
+            <a:off x="0" y="8685213"/>
+            <a:ext cx="2971800" cy="458787"/>
+          </a:xfrm>
+          <a:prstGeom prst="rect">
+            <a:avLst/>
+          </a:prstGeom>
+        </p:spPr>
+        <p:txBody>
+          <a:bodyPr vert="horz" lIns="91440" tIns="45720" rIns="91440" bIns="45720" rtlCol="0" anchor="b"/>
+          <a:lstStyle>
+            <a:lvl1pPr algn="l">
+              <a:defRPr sz="1200"/>
+            </a:lvl1pPr>
+          </a:lstStyle>
+          <a:p>
+            <a:endParaRPr lang="en-US"/>
+          </a:p>
+        </p:txBody>
+      </p:sp>
+      <p:sp>
+        <p:nvSpPr>
+          <p:cNvPr id="7" name="Slide Number Placeholder 6"/>
+          <p:cNvSpPr>
+            <a:spLocks noGrp="1"/>
+          </p:cNvSpPr>
+          <p:nvPr>
+            <p:ph type="sldNum" sz="quarter" idx="5"/>
+          </p:nvPr>
+        </p:nvSpPr>
+        <p:spPr>
+          <a:xfrm>
+            <a:off x="3884613" y="8685213"/>
+            <a:ext cx="2971800" cy="458787"/>
+          </a:xfrm>
+          <a:prstGeom prst="rect">
+            <a:avLst/>
+          </a:prstGeom>
+        </p:spPr>
+        <p:txBody>
+          <a:bodyPr vert="horz" lIns="91440" tIns="45720" rIns="91440" bIns="45720" rtlCol="0" anchor="b"/>
+          <a:lstStyle>
+            <a:lvl1pPr algn="r">
+              <a:defRPr sz="1200"/>
+            </a:lvl1pPr>
+          </a:lstStyle>
+          <a:p>
+            <a:fld id="{F93E6348-B642-40BE-A4DC-75F5031083BE}" type="slidenum">
+              <a:rPr lang="en-US" smtClean="0"/>
+              <a:t>‹#›</a:t>
+            </a:fld>
+            <a:endParaRPr lang="en-US"/>
+          </a:p>
+        </p:txBody>
+      </p:sp>
+    </p:spTree>
+    <p:extLst>
+      <p:ext uri="{BB962C8B-B14F-4D97-AF65-F5344CB8AC3E}">
+        <p14:creationId xmlns:p14="http://schemas.microsoft.com/office/powerpoint/2010/main" val="3317933002"/>
+      </p:ext>
+    </p:extLst>
+  </p:cSld>
+  <p:clrMap bg1="lt1" tx1="dk1" bg2="lt2" tx2="dk2" accent1="accent1" accent2="accent2" accent3="accent3" accent4="accent4" accent5="accent5" accent6="accent6" hlink="hlink" folHlink="folHlink"/>
+  <p:notesStyle>
+    <a:lvl1pPr marL="0" algn="l" defTabSz="914400" rtl="0" eaLnBrk="1" latinLnBrk="0" hangingPunct="1">
+      <a:defRPr sz="1200" kern="1200">
+        <a:solidFill>
+          <a:schemeClr val="tx1"/>
+        </a:solidFill>
+        <a:latin typeface="+mn-lt"/>
+        <a:ea typeface="+mn-ea"/>
+        <a:cs typeface="+mn-cs"/>
+      </a:defRPr>
+    </a:lvl1pPr>
+    <a:lvl2pPr marL="457200" algn="l" defTabSz="914400" rtl="0" eaLnBrk="1" latinLnBrk="0" hangingPunct="1">
+      <a:defRPr sz="1200" kern="1200">
+        <a:solidFill>
+          <a:schemeClr val="tx1"/>
+        </a:solidFill>
+        <a:latin typeface="+mn-lt"/>
+        <a:ea typeface="+mn-ea"/>
+        <a:cs typeface="+mn-cs"/>
+      </a:defRPr>
+    </a:lvl2pPr>
+    <a:lvl3pPr marL="914400" algn="l" defTabSz="914400" rtl="0" eaLnBrk="1" latinLnBrk="0" hangingPunct="1">
+      <a:defRPr sz="1200" kern="1200">
+        <a:solidFill>
+          <a:schemeClr val="tx1"/>
+        </a:solidFill>
+        <a:latin typeface="+mn-lt"/>
+        <a:ea typeface="+mn-ea"/>
+        <a:cs typeface="+mn-cs"/>
+      </a:defRPr>
+    </a:lvl3pPr>
+    <a:lvl4pPr marL="1371600" algn="l" defTabSz="914400" rtl="0" eaLnBrk="1" latinLnBrk="0" hangingPunct="1">
+      <a:defRPr sz="1200" kern="1200">
+        <a:solidFill>
+          <a:schemeClr val="tx1"/>
+        </a:solidFill>
+        <a:latin typeface="+mn-lt"/>
+        <a:ea typeface="+mn-ea"/>
+        <a:cs typeface="+mn-cs"/>
+      </a:defRPr>
+    </a:lvl4pPr>
+    <a:lvl5pPr marL="1828800" algn="l" defTabSz="914400" rtl="0" eaLnBrk="1" latinLnBrk="0" hangingPunct="1">
+      <a:defRPr sz="1200" kern="1200">
+        <a:solidFill>
+          <a:schemeClr val="tx1"/>
+        </a:solidFill>
+        <a:latin typeface="+mn-lt"/>
+        <a:ea typeface="+mn-ea"/>
+        <a:cs typeface="+mn-cs"/>
+      </a:defRPr>
+    </a:lvl5pPr>
+    <a:lvl6pPr marL="2286000" algn="l" defTabSz="914400" rtl="0" eaLnBrk="1" latinLnBrk="0" hangingPunct="1">
+      <a:defRPr sz="1200" kern="1200">
+        <a:solidFill>
+          <a:schemeClr val="tx1"/>
+        </a:solidFill>
+        <a:latin typeface="+mn-lt"/>
+        <a:ea typeface="+mn-ea"/>
+        <a:cs typeface="+mn-cs"/>
+      </a:defRPr>
+    </a:lvl6pPr>
+    <a:lvl7pPr marL="2743200" algn="l" defTabSz="914400" rtl="0" eaLnBrk="1" latinLnBrk="0" hangingPunct="1">
+      <a:defRPr sz="1200" kern="1200">
+        <a:solidFill>
+          <a:schemeClr val="tx1"/>
+        </a:solidFill>
+        <a:latin typeface="+mn-lt"/>
+        <a:ea typeface="+mn-ea"/>
+        <a:cs typeface="+mn-cs"/>
+      </a:defRPr>
+    </a:lvl7pPr>
+    <a:lvl8pPr marL="3200400" algn="l" defTabSz="914400" rtl="0" eaLnBrk="1" latinLnBrk="0" hangingPunct="1">
+      <a:defRPr sz="1200" kern="1200">
+        <a:solidFill>
+          <a:schemeClr val="tx1"/>
+        </a:solidFill>
+        <a:latin typeface="+mn-lt"/>
+        <a:ea typeface="+mn-ea"/>
+        <a:cs typeface="+mn-cs"/>
+      </a:defRPr>
+    </a:lvl8pPr>
+    <a:lvl9pPr marL="3657600" algn="l" defTabSz="914400" rtl="0" eaLnBrk="1" latinLnBrk="0" hangingPunct="1">
+      <a:defRPr sz="1200" kern="1200">
+        <a:solidFill>
+          <a:schemeClr val="tx1"/>
+        </a:solidFill>
+        <a:latin typeface="+mn-lt"/>
+        <a:ea typeface="+mn-ea"/>
+        <a:cs typeface="+mn-cs"/>
+      </a:defRPr>
+    </a:lvl9pPr>
+  </p:notesStyle>
+</p:notesMaster>
 </file>
 
 <file path=ppt/slideLayouts/slideLayout1.xml><?xml version="1.0" encoding="utf-8"?>
@@ -8907,7 +9276,7 @@
           <a:p>
             <a:fld id="{4F746F56-3CC7-45D2-9698-8C99E6F1A199}" type="datetimeFigureOut">
               <a:rPr lang="en-US" smtClean="0"/>
-              <a:t>24-Jan-20</a:t>
+              <a:t>1/24/2020</a:t>
             </a:fld>
             <a:endParaRPr lang="en-US"/>
           </a:p>
@@ -9114,7 +9483,7 @@
           <a:p>
             <a:fld id="{4F746F56-3CC7-45D2-9698-8C99E6F1A199}" type="datetimeFigureOut">
               <a:rPr lang="en-US" smtClean="0"/>
-              <a:t>24-Jan-20</a:t>
+              <a:t>1/24/2020</a:t>
             </a:fld>
             <a:endParaRPr lang="en-US"/>
           </a:p>
@@ -9294,7 +9663,7 @@
           <a:p>
             <a:fld id="{4F746F56-3CC7-45D2-9698-8C99E6F1A199}" type="datetimeFigureOut">
               <a:rPr lang="en-US" smtClean="0"/>
-              <a:t>24-Jan-20</a:t>
+              <a:t>1/24/2020</a:t>
             </a:fld>
             <a:endParaRPr lang="en-US"/>
           </a:p>
@@ -9499,7 +9868,7 @@
           <a:p>
             <a:fld id="{4F746F56-3CC7-45D2-9698-8C99E6F1A199}" type="datetimeFigureOut">
               <a:rPr lang="en-US" smtClean="0"/>
-              <a:t>24-Jan-20</a:t>
+              <a:t>1/24/2020</a:t>
             </a:fld>
             <a:endParaRPr lang="en-US"/>
           </a:p>
@@ -18397,7 +18766,7 @@
           <a:p>
             <a:fld id="{4F746F56-3CC7-45D2-9698-8C99E6F1A199}" type="datetimeFigureOut">
               <a:rPr lang="en-US" smtClean="0"/>
-              <a:t>24-Jan-20</a:t>
+              <a:t>1/24/2020</a:t>
             </a:fld>
             <a:endParaRPr lang="en-US"/>
           </a:p>
@@ -18671,7 +19040,7 @@
           <a:p>
             <a:fld id="{4F746F56-3CC7-45D2-9698-8C99E6F1A199}" type="datetimeFigureOut">
               <a:rPr lang="en-US" smtClean="0"/>
-              <a:t>24-Jan-20</a:t>
+              <a:t>1/24/2020</a:t>
             </a:fld>
             <a:endParaRPr lang="en-US"/>
           </a:p>
@@ -19069,7 +19438,7 @@
           <a:p>
             <a:fld id="{4F746F56-3CC7-45D2-9698-8C99E6F1A199}" type="datetimeFigureOut">
               <a:rPr lang="en-US" smtClean="0"/>
-              <a:t>24-Jan-20</a:t>
+              <a:t>1/24/2020</a:t>
             </a:fld>
             <a:endParaRPr lang="en-US"/>
           </a:p>
@@ -19187,7 +19556,7 @@
           <a:p>
             <a:fld id="{4F746F56-3CC7-45D2-9698-8C99E6F1A199}" type="datetimeFigureOut">
               <a:rPr lang="en-US" smtClean="0"/>
-              <a:t>24-Jan-20</a:t>
+              <a:t>1/24/2020</a:t>
             </a:fld>
             <a:endParaRPr lang="en-US"/>
           </a:p>
@@ -19282,7 +19651,7 @@
           <a:p>
             <a:fld id="{4F746F56-3CC7-45D2-9698-8C99E6F1A199}" type="datetimeFigureOut">
               <a:rPr lang="en-US" smtClean="0"/>
-              <a:t>24-Jan-20</a:t>
+              <a:t>1/24/2020</a:t>
             </a:fld>
             <a:endParaRPr lang="en-US"/>
           </a:p>
@@ -19572,7 +19941,7 @@
           <a:p>
             <a:fld id="{4F746F56-3CC7-45D2-9698-8C99E6F1A199}" type="datetimeFigureOut">
               <a:rPr lang="en-US" smtClean="0"/>
-              <a:t>24-Jan-20</a:t>
+              <a:t>1/24/2020</a:t>
             </a:fld>
             <a:endParaRPr lang="en-US"/>
           </a:p>
@@ -19852,7 +20221,7 @@
           <a:p>
             <a:fld id="{4F746F56-3CC7-45D2-9698-8C99E6F1A199}" type="datetimeFigureOut">
               <a:rPr lang="en-US" smtClean="0"/>
-              <a:t>24-Jan-20</a:t>
+              <a:t>1/24/2020</a:t>
             </a:fld>
             <a:endParaRPr lang="en-US"/>
           </a:p>
@@ -20102,7 +20471,7 @@
           <a:p>
             <a:fld id="{4F746F56-3CC7-45D2-9698-8C99E6F1A199}" type="datetimeFigureOut">
               <a:rPr lang="en-US" smtClean="0"/>
-              <a:t>24-Jan-20</a:t>
+              <a:t>1/24/2020</a:t>
             </a:fld>
             <a:endParaRPr lang="en-US"/>
           </a:p>
@@ -20679,6 +21048,925 @@
 </p:sld>
 </file>
 
+<file path=ppt/slides/slide10.xml><?xml version="1.0" encoding="utf-8"?>
+<p:sld xmlns:a="http://schemas.openxmlformats.org/drawingml/2006/main" xmlns:r="http://schemas.openxmlformats.org/officeDocument/2006/relationships" xmlns:p="http://schemas.openxmlformats.org/presentationml/2006/main">
+  <p:cSld>
+    <p:spTree>
+      <p:nvGrpSpPr>
+        <p:cNvPr id="1" name=""/>
+        <p:cNvGrpSpPr/>
+        <p:nvPr/>
+      </p:nvGrpSpPr>
+      <p:grpSpPr>
+        <a:xfrm>
+          <a:off x="0" y="0"/>
+          <a:ext cx="0" cy="0"/>
+          <a:chOff x="0" y="0"/>
+          <a:chExt cx="0" cy="0"/>
+        </a:xfrm>
+      </p:grpSpPr>
+      <p:sp>
+        <p:nvSpPr>
+          <p:cNvPr id="2" name="Title 1">
+            <a:extLst>
+              <a:ext uri="{FF2B5EF4-FFF2-40B4-BE49-F238E27FC236}">
+                <a16:creationId xmlns:a16="http://schemas.microsoft.com/office/drawing/2014/main" id="{99D2F721-673B-490A-A3FE-0C67EC44F7A4}"/>
+              </a:ext>
+            </a:extLst>
+          </p:cNvPr>
+          <p:cNvSpPr>
+            <a:spLocks noGrp="1"/>
+          </p:cNvSpPr>
+          <p:nvPr>
+            <p:ph type="title"/>
+          </p:nvPr>
+        </p:nvSpPr>
+        <p:spPr/>
+        <p:txBody>
+          <a:bodyPr/>
+          <a:lstStyle/>
+          <a:p>
+            <a:r>
+              <a:rPr lang="en-US" dirty="0"/>
+              <a:t>			 Company Level-1</a:t>
+            </a:r>
+          </a:p>
+        </p:txBody>
+      </p:sp>
+      <p:pic>
+        <p:nvPicPr>
+          <p:cNvPr id="4" name="Content Placeholder 3">
+            <a:extLst>
+              <a:ext uri="{FF2B5EF4-FFF2-40B4-BE49-F238E27FC236}">
+                <a16:creationId xmlns:a16="http://schemas.microsoft.com/office/drawing/2014/main" id="{13C1E2A8-A614-4290-9E30-3ACF3447A129}"/>
+              </a:ext>
+            </a:extLst>
+          </p:cNvPr>
+          <p:cNvPicPr>
+            <a:picLocks noGrp="1" noChangeAspect="1"/>
+          </p:cNvPicPr>
+          <p:nvPr>
+            <p:ph idx="1"/>
+          </p:nvPr>
+        </p:nvPicPr>
+        <p:blipFill>
+          <a:blip r:embed="rId2"/>
+          <a:stretch>
+            <a:fillRect/>
+          </a:stretch>
+        </p:blipFill>
+        <p:spPr>
+          <a:xfrm>
+            <a:off x="949910" y="2192784"/>
+            <a:ext cx="9925235" cy="4580878"/>
+          </a:xfrm>
+          <a:prstGeom prst="rect">
+            <a:avLst/>
+          </a:prstGeom>
+        </p:spPr>
+      </p:pic>
+    </p:spTree>
+    <p:extLst>
+      <p:ext uri="{BB962C8B-B14F-4D97-AF65-F5344CB8AC3E}">
+        <p14:creationId xmlns:p14="http://schemas.microsoft.com/office/powerpoint/2010/main" val="1434335277"/>
+      </p:ext>
+    </p:extLst>
+  </p:cSld>
+  <p:clrMapOvr>
+    <a:masterClrMapping/>
+  </p:clrMapOvr>
+</p:sld>
+</file>
+
+<file path=ppt/slides/slide11.xml><?xml version="1.0" encoding="utf-8"?>
+<p:sld xmlns:a="http://schemas.openxmlformats.org/drawingml/2006/main" xmlns:r="http://schemas.openxmlformats.org/officeDocument/2006/relationships" xmlns:p="http://schemas.openxmlformats.org/presentationml/2006/main">
+  <p:cSld>
+    <p:spTree>
+      <p:nvGrpSpPr>
+        <p:cNvPr id="1" name=""/>
+        <p:cNvGrpSpPr/>
+        <p:nvPr/>
+      </p:nvGrpSpPr>
+      <p:grpSpPr>
+        <a:xfrm>
+          <a:off x="0" y="0"/>
+          <a:ext cx="0" cy="0"/>
+          <a:chOff x="0" y="0"/>
+          <a:chExt cx="0" cy="0"/>
+        </a:xfrm>
+      </p:grpSpPr>
+      <p:sp>
+        <p:nvSpPr>
+          <p:cNvPr id="2" name="Title 1">
+            <a:extLst>
+              <a:ext uri="{FF2B5EF4-FFF2-40B4-BE49-F238E27FC236}">
+                <a16:creationId xmlns:a16="http://schemas.microsoft.com/office/drawing/2014/main" id="{5F6E08A7-900D-46E1-843A-F3D46EEF1650}"/>
+              </a:ext>
+            </a:extLst>
+          </p:cNvPr>
+          <p:cNvSpPr>
+            <a:spLocks noGrp="1"/>
+          </p:cNvSpPr>
+          <p:nvPr>
+            <p:ph type="title"/>
+          </p:nvPr>
+        </p:nvSpPr>
+        <p:spPr/>
+        <p:txBody>
+          <a:bodyPr/>
+          <a:lstStyle/>
+          <a:p>
+            <a:r>
+              <a:rPr lang="en-US" dirty="0"/>
+              <a:t>		        Company level-2</a:t>
+            </a:r>
+          </a:p>
+        </p:txBody>
+      </p:sp>
+      <p:pic>
+        <p:nvPicPr>
+          <p:cNvPr id="6" name="Content Placeholder 5">
+            <a:extLst>
+              <a:ext uri="{FF2B5EF4-FFF2-40B4-BE49-F238E27FC236}">
+                <a16:creationId xmlns:a16="http://schemas.microsoft.com/office/drawing/2014/main" id="{791C9F06-071E-40DF-9202-CB60F28CD31D}"/>
+              </a:ext>
+            </a:extLst>
+          </p:cNvPr>
+          <p:cNvPicPr>
+            <a:picLocks noGrp="1" noChangeAspect="1"/>
+          </p:cNvPicPr>
+          <p:nvPr>
+            <p:ph idx="1"/>
+          </p:nvPr>
+        </p:nvPicPr>
+        <p:blipFill>
+          <a:blip r:embed="rId2"/>
+          <a:stretch>
+            <a:fillRect/>
+          </a:stretch>
+        </p:blipFill>
+        <p:spPr>
+          <a:xfrm>
+            <a:off x="1024128" y="2084832"/>
+            <a:ext cx="9720072" cy="4223893"/>
+          </a:xfrm>
+          <a:prstGeom prst="rect">
+            <a:avLst/>
+          </a:prstGeom>
+        </p:spPr>
+      </p:pic>
+    </p:spTree>
+    <p:extLst>
+      <p:ext uri="{BB962C8B-B14F-4D97-AF65-F5344CB8AC3E}">
+        <p14:creationId xmlns:p14="http://schemas.microsoft.com/office/powerpoint/2010/main" val="4088239973"/>
+      </p:ext>
+    </p:extLst>
+  </p:cSld>
+  <p:clrMapOvr>
+    <a:masterClrMapping/>
+  </p:clrMapOvr>
+</p:sld>
+</file>
+
+<file path=ppt/slides/slide12.xml><?xml version="1.0" encoding="utf-8"?>
+<p:sld xmlns:a="http://schemas.openxmlformats.org/drawingml/2006/main" xmlns:r="http://schemas.openxmlformats.org/officeDocument/2006/relationships" xmlns:p="http://schemas.openxmlformats.org/presentationml/2006/main">
+  <p:cSld>
+    <p:spTree>
+      <p:nvGrpSpPr>
+        <p:cNvPr id="1" name=""/>
+        <p:cNvGrpSpPr/>
+        <p:nvPr/>
+      </p:nvGrpSpPr>
+      <p:grpSpPr>
+        <a:xfrm>
+          <a:off x="0" y="0"/>
+          <a:ext cx="0" cy="0"/>
+          <a:chOff x="0" y="0"/>
+          <a:chExt cx="0" cy="0"/>
+        </a:xfrm>
+      </p:grpSpPr>
+      <p:sp>
+        <p:nvSpPr>
+          <p:cNvPr id="2" name="Title 1">
+            <a:extLst>
+              <a:ext uri="{FF2B5EF4-FFF2-40B4-BE49-F238E27FC236}">
+                <a16:creationId xmlns:a16="http://schemas.microsoft.com/office/drawing/2014/main" id="{5A19D0D2-C4AF-46A6-87E5-FE097875B7F7}"/>
+              </a:ext>
+            </a:extLst>
+          </p:cNvPr>
+          <p:cNvSpPr>
+            <a:spLocks noGrp="1"/>
+          </p:cNvSpPr>
+          <p:nvPr>
+            <p:ph type="title"/>
+          </p:nvPr>
+        </p:nvSpPr>
+        <p:spPr>
+          <a:xfrm>
+            <a:off x="1024128" y="506027"/>
+            <a:ext cx="9629076" cy="1367161"/>
+          </a:xfrm>
+        </p:spPr>
+        <p:txBody>
+          <a:bodyPr/>
+          <a:lstStyle/>
+          <a:p>
+            <a:r>
+              <a:rPr lang="en-US" dirty="0"/>
+              <a:t>				User level-1</a:t>
+            </a:r>
+          </a:p>
+        </p:txBody>
+      </p:sp>
+      <p:pic>
+        <p:nvPicPr>
+          <p:cNvPr id="4" name="Content Placeholder 3">
+            <a:extLst>
+              <a:ext uri="{FF2B5EF4-FFF2-40B4-BE49-F238E27FC236}">
+                <a16:creationId xmlns:a16="http://schemas.microsoft.com/office/drawing/2014/main" id="{D5F9441F-BDF1-4B6E-8A7F-AD0FE8A78B8F}"/>
+              </a:ext>
+            </a:extLst>
+          </p:cNvPr>
+          <p:cNvPicPr>
+            <a:picLocks noGrp="1" noChangeAspect="1"/>
+          </p:cNvPicPr>
+          <p:nvPr>
+            <p:ph idx="1"/>
+          </p:nvPr>
+        </p:nvPicPr>
+        <p:blipFill>
+          <a:blip r:embed="rId2"/>
+          <a:stretch>
+            <a:fillRect/>
+          </a:stretch>
+        </p:blipFill>
+        <p:spPr>
+          <a:xfrm>
+            <a:off x="177553" y="1873188"/>
+            <a:ext cx="11851690" cy="4793942"/>
+          </a:xfrm>
+          <a:prstGeom prst="rect">
+            <a:avLst/>
+          </a:prstGeom>
+        </p:spPr>
+      </p:pic>
+    </p:spTree>
+    <p:extLst>
+      <p:ext uri="{BB962C8B-B14F-4D97-AF65-F5344CB8AC3E}">
+        <p14:creationId xmlns:p14="http://schemas.microsoft.com/office/powerpoint/2010/main" val="4014632991"/>
+      </p:ext>
+    </p:extLst>
+  </p:cSld>
+  <p:clrMapOvr>
+    <a:masterClrMapping/>
+  </p:clrMapOvr>
+</p:sld>
+</file>
+
+<file path=ppt/slides/slide13.xml><?xml version="1.0" encoding="utf-8"?>
+<p:sld xmlns:a="http://schemas.openxmlformats.org/drawingml/2006/main" xmlns:r="http://schemas.openxmlformats.org/officeDocument/2006/relationships" xmlns:p="http://schemas.openxmlformats.org/presentationml/2006/main">
+  <p:cSld>
+    <p:spTree>
+      <p:nvGrpSpPr>
+        <p:cNvPr id="1" name=""/>
+        <p:cNvGrpSpPr/>
+        <p:nvPr/>
+      </p:nvGrpSpPr>
+      <p:grpSpPr>
+        <a:xfrm>
+          <a:off x="0" y="0"/>
+          <a:ext cx="0" cy="0"/>
+          <a:chOff x="0" y="0"/>
+          <a:chExt cx="0" cy="0"/>
+        </a:xfrm>
+      </p:grpSpPr>
+      <p:pic>
+        <p:nvPicPr>
+          <p:cNvPr id="7" name="Content Placeholder 6">
+            <a:extLst>
+              <a:ext uri="{FF2B5EF4-FFF2-40B4-BE49-F238E27FC236}">
+                <a16:creationId xmlns:a16="http://schemas.microsoft.com/office/drawing/2014/main" id="{FDD0329B-A9F8-4800-9F66-41FFDB99D044}"/>
+              </a:ext>
+            </a:extLst>
+          </p:cNvPr>
+          <p:cNvPicPr>
+            <a:picLocks noGrp="1" noChangeAspect="1"/>
+          </p:cNvPicPr>
+          <p:nvPr>
+            <p:ph idx="1"/>
+          </p:nvPr>
+        </p:nvPicPr>
+        <p:blipFill>
+          <a:blip r:embed="rId2"/>
+          <a:stretch>
+            <a:fillRect/>
+          </a:stretch>
+        </p:blipFill>
+        <p:spPr>
+          <a:xfrm>
+            <a:off x="1811044" y="1452408"/>
+            <a:ext cx="6880194" cy="5405592"/>
+          </a:xfrm>
+          <a:prstGeom prst="rect">
+            <a:avLst/>
+          </a:prstGeom>
+        </p:spPr>
+      </p:pic>
+      <p:sp>
+        <p:nvSpPr>
+          <p:cNvPr id="10" name="TextBox 9">
+            <a:extLst>
+              <a:ext uri="{FF2B5EF4-FFF2-40B4-BE49-F238E27FC236}">
+                <a16:creationId xmlns:a16="http://schemas.microsoft.com/office/drawing/2014/main" id="{E8057234-6261-4C24-8F14-4A4A8AD9E3CD}"/>
+              </a:ext>
+            </a:extLst>
+          </p:cNvPr>
+          <p:cNvSpPr txBox="1"/>
+          <p:nvPr/>
+        </p:nvSpPr>
+        <p:spPr>
+          <a:xfrm>
+            <a:off x="3950563" y="301840"/>
+            <a:ext cx="3728621" cy="861774"/>
+          </a:xfrm>
+          <a:prstGeom prst="rect">
+            <a:avLst/>
+          </a:prstGeom>
+          <a:noFill/>
+        </p:spPr>
+        <p:txBody>
+          <a:bodyPr wrap="square" rtlCol="0">
+            <a:spAutoFit/>
+          </a:bodyPr>
+          <a:lstStyle/>
+          <a:p>
+            <a:r>
+              <a:rPr lang="en-US" sz="5000" dirty="0"/>
+              <a:t>USER LEVEL-2</a:t>
+            </a:r>
+          </a:p>
+        </p:txBody>
+      </p:sp>
+    </p:spTree>
+    <p:extLst>
+      <p:ext uri="{BB962C8B-B14F-4D97-AF65-F5344CB8AC3E}">
+        <p14:creationId xmlns:p14="http://schemas.microsoft.com/office/powerpoint/2010/main" val="2220702389"/>
+      </p:ext>
+    </p:extLst>
+  </p:cSld>
+  <p:clrMapOvr>
+    <a:masterClrMapping/>
+  </p:clrMapOvr>
+</p:sld>
+</file>
+
+<file path=ppt/slides/slide14.xml><?xml version="1.0" encoding="utf-8"?>
+<p:sld xmlns:a="http://schemas.openxmlformats.org/drawingml/2006/main" xmlns:r="http://schemas.openxmlformats.org/officeDocument/2006/relationships" xmlns:p="http://schemas.openxmlformats.org/presentationml/2006/main">
+  <p:cSld>
+    <p:spTree>
+      <p:nvGrpSpPr>
+        <p:cNvPr id="1" name=""/>
+        <p:cNvGrpSpPr/>
+        <p:nvPr/>
+      </p:nvGrpSpPr>
+      <p:grpSpPr>
+        <a:xfrm>
+          <a:off x="0" y="0"/>
+          <a:ext cx="0" cy="0"/>
+          <a:chOff x="0" y="0"/>
+          <a:chExt cx="0" cy="0"/>
+        </a:xfrm>
+      </p:grpSpPr>
+      <p:pic>
+        <p:nvPicPr>
+          <p:cNvPr id="4" name="Content Placeholder 3">
+            <a:extLst>
+              <a:ext uri="{FF2B5EF4-FFF2-40B4-BE49-F238E27FC236}">
+                <a16:creationId xmlns:a16="http://schemas.microsoft.com/office/drawing/2014/main" id="{6D5AF336-3283-4B4F-916F-31920795F795}"/>
+              </a:ext>
+            </a:extLst>
+          </p:cNvPr>
+          <p:cNvPicPr>
+            <a:picLocks noGrp="1" noChangeAspect="1"/>
+          </p:cNvPicPr>
+          <p:nvPr>
+            <p:ph idx="1"/>
+          </p:nvPr>
+        </p:nvPicPr>
+        <p:blipFill>
+          <a:blip r:embed="rId2"/>
+          <a:stretch>
+            <a:fillRect/>
+          </a:stretch>
+        </p:blipFill>
+        <p:spPr>
+          <a:xfrm>
+            <a:off x="594804" y="1695635"/>
+            <a:ext cx="11008311" cy="4444877"/>
+          </a:xfrm>
+          <a:prstGeom prst="rect">
+            <a:avLst/>
+          </a:prstGeom>
+        </p:spPr>
+      </p:pic>
+      <p:sp>
+        <p:nvSpPr>
+          <p:cNvPr id="5" name="TextBox 4">
+            <a:extLst>
+              <a:ext uri="{FF2B5EF4-FFF2-40B4-BE49-F238E27FC236}">
+                <a16:creationId xmlns:a16="http://schemas.microsoft.com/office/drawing/2014/main" id="{559A7AFB-45DF-4DCC-AA4F-99EA6ACF060E}"/>
+              </a:ext>
+            </a:extLst>
+          </p:cNvPr>
+          <p:cNvSpPr txBox="1"/>
+          <p:nvPr/>
+        </p:nvSpPr>
+        <p:spPr>
+          <a:xfrm>
+            <a:off x="3444536" y="603682"/>
+            <a:ext cx="5015883" cy="861774"/>
+          </a:xfrm>
+          <a:prstGeom prst="rect">
+            <a:avLst/>
+          </a:prstGeom>
+          <a:noFill/>
+        </p:spPr>
+        <p:txBody>
+          <a:bodyPr wrap="square" rtlCol="0">
+            <a:spAutoFit/>
+          </a:bodyPr>
+          <a:lstStyle/>
+          <a:p>
+            <a:r>
+              <a:rPr lang="en-US" sz="4400" dirty="0"/>
+              <a:t>		</a:t>
+            </a:r>
+            <a:r>
+              <a:rPr lang="en-US" sz="5000" dirty="0"/>
+              <a:t>GUEST LEVEL</a:t>
+            </a:r>
+          </a:p>
+        </p:txBody>
+      </p:sp>
+    </p:spTree>
+    <p:extLst>
+      <p:ext uri="{BB962C8B-B14F-4D97-AF65-F5344CB8AC3E}">
+        <p14:creationId xmlns:p14="http://schemas.microsoft.com/office/powerpoint/2010/main" val="3683595734"/>
+      </p:ext>
+    </p:extLst>
+  </p:cSld>
+  <p:clrMapOvr>
+    <a:masterClrMapping/>
+  </p:clrMapOvr>
+</p:sld>
+</file>
+
+<file path=ppt/slides/slide15.xml><?xml version="1.0" encoding="utf-8"?>
+<p:sld xmlns:a="http://schemas.openxmlformats.org/drawingml/2006/main" xmlns:r="http://schemas.openxmlformats.org/officeDocument/2006/relationships" xmlns:p="http://schemas.openxmlformats.org/presentationml/2006/main">
+  <p:cSld>
+    <p:spTree>
+      <p:nvGrpSpPr>
+        <p:cNvPr id="1" name=""/>
+        <p:cNvGrpSpPr/>
+        <p:nvPr/>
+      </p:nvGrpSpPr>
+      <p:grpSpPr>
+        <a:xfrm>
+          <a:off x="0" y="0"/>
+          <a:ext cx="0" cy="0"/>
+          <a:chOff x="0" y="0"/>
+          <a:chExt cx="0" cy="0"/>
+        </a:xfrm>
+      </p:grpSpPr>
+      <p:sp>
+        <p:nvSpPr>
+          <p:cNvPr id="2" name="Title 1">
+            <a:extLst>
+              <a:ext uri="{FF2B5EF4-FFF2-40B4-BE49-F238E27FC236}">
+                <a16:creationId xmlns:a16="http://schemas.microsoft.com/office/drawing/2014/main" id="{608520C7-5E0E-4567-85E7-9A15A6D67D6F}"/>
+              </a:ext>
+            </a:extLst>
+          </p:cNvPr>
+          <p:cNvSpPr>
+            <a:spLocks noGrp="1"/>
+          </p:cNvSpPr>
+          <p:nvPr>
+            <p:ph type="title"/>
+          </p:nvPr>
+        </p:nvSpPr>
+        <p:spPr/>
+        <p:txBody>
+          <a:bodyPr/>
+          <a:lstStyle/>
+          <a:p>
+            <a:r>
+              <a:rPr lang="en-US" dirty="0"/>
+              <a:t>		Registration flowchart</a:t>
+            </a:r>
+          </a:p>
+        </p:txBody>
+      </p:sp>
+      <p:pic>
+        <p:nvPicPr>
+          <p:cNvPr id="5" name="Content Placeholder 4">
+            <a:extLst>
+              <a:ext uri="{FF2B5EF4-FFF2-40B4-BE49-F238E27FC236}">
+                <a16:creationId xmlns:a16="http://schemas.microsoft.com/office/drawing/2014/main" id="{CF380E62-58E7-45C4-A9DD-CF6884D5953E}"/>
+              </a:ext>
+            </a:extLst>
+          </p:cNvPr>
+          <p:cNvPicPr>
+            <a:picLocks noGrp="1" noChangeAspect="1"/>
+          </p:cNvPicPr>
+          <p:nvPr>
+            <p:ph idx="1"/>
+          </p:nvPr>
+        </p:nvPicPr>
+        <p:blipFill>
+          <a:blip r:embed="rId2"/>
+          <a:stretch>
+            <a:fillRect/>
+          </a:stretch>
+        </p:blipFill>
+        <p:spPr>
+          <a:xfrm>
+            <a:off x="3675354" y="2293379"/>
+            <a:ext cx="3160451" cy="4007967"/>
+          </a:xfrm>
+          <a:prstGeom prst="rect">
+            <a:avLst/>
+          </a:prstGeom>
+        </p:spPr>
+      </p:pic>
+    </p:spTree>
+    <p:extLst>
+      <p:ext uri="{BB962C8B-B14F-4D97-AF65-F5344CB8AC3E}">
+        <p14:creationId xmlns:p14="http://schemas.microsoft.com/office/powerpoint/2010/main" val="3677397030"/>
+      </p:ext>
+    </p:extLst>
+  </p:cSld>
+  <p:clrMapOvr>
+    <a:masterClrMapping/>
+  </p:clrMapOvr>
+</p:sld>
+</file>
+
+<file path=ppt/slides/slide16.xml><?xml version="1.0" encoding="utf-8"?>
+<p:sld xmlns:a="http://schemas.openxmlformats.org/drawingml/2006/main" xmlns:r="http://schemas.openxmlformats.org/officeDocument/2006/relationships" xmlns:p="http://schemas.openxmlformats.org/presentationml/2006/main">
+  <p:cSld>
+    <p:spTree>
+      <p:nvGrpSpPr>
+        <p:cNvPr id="1" name=""/>
+        <p:cNvGrpSpPr/>
+        <p:nvPr/>
+      </p:nvGrpSpPr>
+      <p:grpSpPr>
+        <a:xfrm>
+          <a:off x="0" y="0"/>
+          <a:ext cx="0" cy="0"/>
+          <a:chOff x="0" y="0"/>
+          <a:chExt cx="0" cy="0"/>
+        </a:xfrm>
+      </p:grpSpPr>
+      <p:sp>
+        <p:nvSpPr>
+          <p:cNvPr id="2" name="Title 1">
+            <a:extLst>
+              <a:ext uri="{FF2B5EF4-FFF2-40B4-BE49-F238E27FC236}">
+                <a16:creationId xmlns:a16="http://schemas.microsoft.com/office/drawing/2014/main" id="{026084C2-C9DA-4640-A83F-97E40531FF39}"/>
+              </a:ext>
+            </a:extLst>
+          </p:cNvPr>
+          <p:cNvSpPr>
+            <a:spLocks noGrp="1"/>
+          </p:cNvSpPr>
+          <p:nvPr>
+            <p:ph type="title"/>
+          </p:nvPr>
+        </p:nvSpPr>
+        <p:spPr/>
+        <p:txBody>
+          <a:bodyPr/>
+          <a:lstStyle/>
+          <a:p>
+            <a:r>
+              <a:rPr lang="en-US" dirty="0"/>
+              <a:t>			Login flowchart</a:t>
+            </a:r>
+          </a:p>
+        </p:txBody>
+      </p:sp>
+      <p:pic>
+        <p:nvPicPr>
+          <p:cNvPr id="4" name="Picture 3">
+            <a:extLst>
+              <a:ext uri="{FF2B5EF4-FFF2-40B4-BE49-F238E27FC236}">
+                <a16:creationId xmlns:a16="http://schemas.microsoft.com/office/drawing/2014/main" id="{964227F2-9CB6-4A7E-BFA6-1EDCCE4EA23A}"/>
+              </a:ext>
+            </a:extLst>
+          </p:cNvPr>
+          <p:cNvPicPr>
+            <a:picLocks noChangeAspect="1"/>
+          </p:cNvPicPr>
+          <p:nvPr/>
+        </p:nvPicPr>
+        <p:blipFill>
+          <a:blip r:embed="rId2"/>
+          <a:stretch>
+            <a:fillRect/>
+          </a:stretch>
+        </p:blipFill>
+        <p:spPr>
+          <a:xfrm>
+            <a:off x="2423604" y="2423603"/>
+            <a:ext cx="6578121" cy="3849181"/>
+          </a:xfrm>
+          <a:prstGeom prst="rect">
+            <a:avLst/>
+          </a:prstGeom>
+        </p:spPr>
+      </p:pic>
+    </p:spTree>
+    <p:extLst>
+      <p:ext uri="{BB962C8B-B14F-4D97-AF65-F5344CB8AC3E}">
+        <p14:creationId xmlns:p14="http://schemas.microsoft.com/office/powerpoint/2010/main" val="2594673442"/>
+      </p:ext>
+    </p:extLst>
+  </p:cSld>
+  <p:clrMapOvr>
+    <a:masterClrMapping/>
+  </p:clrMapOvr>
+</p:sld>
+</file>
+
+<file path=ppt/slides/slide17.xml><?xml version="1.0" encoding="utf-8"?>
+<p:sld xmlns:a="http://schemas.openxmlformats.org/drawingml/2006/main" xmlns:r="http://schemas.openxmlformats.org/officeDocument/2006/relationships" xmlns:p="http://schemas.openxmlformats.org/presentationml/2006/main">
+  <p:cSld>
+    <p:spTree>
+      <p:nvGrpSpPr>
+        <p:cNvPr id="1" name=""/>
+        <p:cNvGrpSpPr/>
+        <p:nvPr/>
+      </p:nvGrpSpPr>
+      <p:grpSpPr>
+        <a:xfrm>
+          <a:off x="0" y="0"/>
+          <a:ext cx="0" cy="0"/>
+          <a:chOff x="0" y="0"/>
+          <a:chExt cx="0" cy="0"/>
+        </a:xfrm>
+      </p:grpSpPr>
+      <p:sp>
+        <p:nvSpPr>
+          <p:cNvPr id="2" name="Title 1">
+            <a:extLst>
+              <a:ext uri="{FF2B5EF4-FFF2-40B4-BE49-F238E27FC236}">
+                <a16:creationId xmlns:a16="http://schemas.microsoft.com/office/drawing/2014/main" id="{DADAE648-A99C-45B0-B076-8AF493D6514D}"/>
+              </a:ext>
+            </a:extLst>
+          </p:cNvPr>
+          <p:cNvSpPr>
+            <a:spLocks noGrp="1"/>
+          </p:cNvSpPr>
+          <p:nvPr>
+            <p:ph type="title"/>
+          </p:nvPr>
+        </p:nvSpPr>
+        <p:spPr/>
+        <p:txBody>
+          <a:bodyPr/>
+          <a:lstStyle/>
+          <a:p>
+            <a:r>
+              <a:rPr lang="en-US" dirty="0"/>
+              <a:t>Admin flowchart</a:t>
+            </a:r>
+          </a:p>
+        </p:txBody>
+      </p:sp>
+      <p:pic>
+        <p:nvPicPr>
+          <p:cNvPr id="4" name="Content Placeholder 3">
+            <a:extLst>
+              <a:ext uri="{FF2B5EF4-FFF2-40B4-BE49-F238E27FC236}">
+                <a16:creationId xmlns:a16="http://schemas.microsoft.com/office/drawing/2014/main" id="{F298832F-F12C-40D4-A0E5-858BE4B2C3A6}"/>
+              </a:ext>
+            </a:extLst>
+          </p:cNvPr>
+          <p:cNvPicPr>
+            <a:picLocks noGrp="1" noChangeAspect="1"/>
+          </p:cNvPicPr>
+          <p:nvPr>
+            <p:ph idx="1"/>
+          </p:nvPr>
+        </p:nvPicPr>
+        <p:blipFill>
+          <a:blip r:embed="rId2"/>
+          <a:stretch>
+            <a:fillRect/>
+          </a:stretch>
+        </p:blipFill>
+        <p:spPr>
+          <a:xfrm>
+            <a:off x="1024128" y="2286000"/>
+            <a:ext cx="9720071" cy="4022725"/>
+          </a:xfrm>
+          <a:prstGeom prst="rect">
+            <a:avLst/>
+          </a:prstGeom>
+        </p:spPr>
+      </p:pic>
+    </p:spTree>
+    <p:extLst>
+      <p:ext uri="{BB962C8B-B14F-4D97-AF65-F5344CB8AC3E}">
+        <p14:creationId xmlns:p14="http://schemas.microsoft.com/office/powerpoint/2010/main" val="483779195"/>
+      </p:ext>
+    </p:extLst>
+  </p:cSld>
+  <p:clrMapOvr>
+    <a:masterClrMapping/>
+  </p:clrMapOvr>
+</p:sld>
+</file>
+
+<file path=ppt/slides/slide18.xml><?xml version="1.0" encoding="utf-8"?>
+<p:sld xmlns:a="http://schemas.openxmlformats.org/drawingml/2006/main" xmlns:r="http://schemas.openxmlformats.org/officeDocument/2006/relationships" xmlns:p="http://schemas.openxmlformats.org/presentationml/2006/main">
+  <p:cSld>
+    <p:spTree>
+      <p:nvGrpSpPr>
+        <p:cNvPr id="1" name=""/>
+        <p:cNvGrpSpPr/>
+        <p:nvPr/>
+      </p:nvGrpSpPr>
+      <p:grpSpPr>
+        <a:xfrm>
+          <a:off x="0" y="0"/>
+          <a:ext cx="0" cy="0"/>
+          <a:chOff x="0" y="0"/>
+          <a:chExt cx="0" cy="0"/>
+        </a:xfrm>
+      </p:grpSpPr>
+      <p:sp>
+        <p:nvSpPr>
+          <p:cNvPr id="2" name="Title 1">
+            <a:extLst>
+              <a:ext uri="{FF2B5EF4-FFF2-40B4-BE49-F238E27FC236}">
+                <a16:creationId xmlns:a16="http://schemas.microsoft.com/office/drawing/2014/main" id="{9F4AF096-FC0D-4C53-BCFA-709165EC37D2}"/>
+              </a:ext>
+            </a:extLst>
+          </p:cNvPr>
+          <p:cNvSpPr>
+            <a:spLocks noGrp="1"/>
+          </p:cNvSpPr>
+          <p:nvPr>
+            <p:ph type="title"/>
+          </p:nvPr>
+        </p:nvSpPr>
+        <p:spPr/>
+        <p:txBody>
+          <a:bodyPr/>
+          <a:lstStyle/>
+          <a:p>
+            <a:r>
+              <a:rPr lang="en-US" dirty="0"/>
+              <a:t>User flowchart</a:t>
+            </a:r>
+          </a:p>
+        </p:txBody>
+      </p:sp>
+      <p:pic>
+        <p:nvPicPr>
+          <p:cNvPr id="5" name="Picture 4">
+            <a:extLst>
+              <a:ext uri="{FF2B5EF4-FFF2-40B4-BE49-F238E27FC236}">
+                <a16:creationId xmlns:a16="http://schemas.microsoft.com/office/drawing/2014/main" id="{E4871568-74B3-4259-B25C-57E0BF7497F0}"/>
+              </a:ext>
+            </a:extLst>
+          </p:cNvPr>
+          <p:cNvPicPr>
+            <a:picLocks noChangeAspect="1"/>
+          </p:cNvPicPr>
+          <p:nvPr/>
+        </p:nvPicPr>
+        <p:blipFill>
+          <a:blip r:embed="rId2"/>
+          <a:stretch>
+            <a:fillRect/>
+          </a:stretch>
+        </p:blipFill>
+        <p:spPr>
+          <a:xfrm>
+            <a:off x="1024128" y="2228295"/>
+            <a:ext cx="9720071" cy="4483222"/>
+          </a:xfrm>
+          <a:prstGeom prst="rect">
+            <a:avLst/>
+          </a:prstGeom>
+        </p:spPr>
+      </p:pic>
+    </p:spTree>
+    <p:extLst>
+      <p:ext uri="{BB962C8B-B14F-4D97-AF65-F5344CB8AC3E}">
+        <p14:creationId xmlns:p14="http://schemas.microsoft.com/office/powerpoint/2010/main" val="3635428227"/>
+      </p:ext>
+    </p:extLst>
+  </p:cSld>
+  <p:clrMapOvr>
+    <a:masterClrMapping/>
+  </p:clrMapOvr>
+</p:sld>
+</file>
+
+<file path=ppt/slides/slide19.xml><?xml version="1.0" encoding="utf-8"?>
+<p:sld xmlns:a="http://schemas.openxmlformats.org/drawingml/2006/main" xmlns:r="http://schemas.openxmlformats.org/officeDocument/2006/relationships" xmlns:p="http://schemas.openxmlformats.org/presentationml/2006/main">
+  <p:cSld>
+    <p:spTree>
+      <p:nvGrpSpPr>
+        <p:cNvPr id="1" name=""/>
+        <p:cNvGrpSpPr/>
+        <p:nvPr/>
+      </p:nvGrpSpPr>
+      <p:grpSpPr>
+        <a:xfrm>
+          <a:off x="0" y="0"/>
+          <a:ext cx="0" cy="0"/>
+          <a:chOff x="0" y="0"/>
+          <a:chExt cx="0" cy="0"/>
+        </a:xfrm>
+      </p:grpSpPr>
+      <p:sp>
+        <p:nvSpPr>
+          <p:cNvPr id="2" name="Title 1">
+            <a:extLst>
+              <a:ext uri="{FF2B5EF4-FFF2-40B4-BE49-F238E27FC236}">
+                <a16:creationId xmlns:a16="http://schemas.microsoft.com/office/drawing/2014/main" id="{C1DFB427-FF8B-4788-AF19-FBFF6298CBB1}"/>
+              </a:ext>
+            </a:extLst>
+          </p:cNvPr>
+          <p:cNvSpPr>
+            <a:spLocks noGrp="1"/>
+          </p:cNvSpPr>
+          <p:nvPr>
+            <p:ph type="title"/>
+          </p:nvPr>
+        </p:nvSpPr>
+        <p:spPr/>
+        <p:txBody>
+          <a:bodyPr/>
+          <a:lstStyle/>
+          <a:p>
+            <a:r>
+              <a:rPr lang="en-US" dirty="0"/>
+              <a:t>Company flowchart</a:t>
+            </a:r>
+          </a:p>
+        </p:txBody>
+      </p:sp>
+      <p:pic>
+        <p:nvPicPr>
+          <p:cNvPr id="4" name="Content Placeholder 3">
+            <a:extLst>
+              <a:ext uri="{FF2B5EF4-FFF2-40B4-BE49-F238E27FC236}">
+                <a16:creationId xmlns:a16="http://schemas.microsoft.com/office/drawing/2014/main" id="{0D93F8EE-48F4-4279-B367-1F9693939F59}"/>
+              </a:ext>
+            </a:extLst>
+          </p:cNvPr>
+          <p:cNvPicPr>
+            <a:picLocks noGrp="1" noChangeAspect="1"/>
+          </p:cNvPicPr>
+          <p:nvPr>
+            <p:ph idx="1"/>
+          </p:nvPr>
+        </p:nvPicPr>
+        <p:blipFill>
+          <a:blip r:embed="rId2"/>
+          <a:stretch>
+            <a:fillRect/>
+          </a:stretch>
+        </p:blipFill>
+        <p:spPr>
+          <a:xfrm>
+            <a:off x="2947386" y="2286000"/>
+            <a:ext cx="5104661" cy="4022725"/>
+          </a:xfrm>
+          <a:prstGeom prst="rect">
+            <a:avLst/>
+          </a:prstGeom>
+        </p:spPr>
+      </p:pic>
+    </p:spTree>
+    <p:extLst>
+      <p:ext uri="{BB962C8B-B14F-4D97-AF65-F5344CB8AC3E}">
+        <p14:creationId xmlns:p14="http://schemas.microsoft.com/office/powerpoint/2010/main" val="3241515154"/>
+      </p:ext>
+    </p:extLst>
+  </p:cSld>
+  <p:clrMapOvr>
+    <a:masterClrMapping/>
+  </p:clrMapOvr>
+</p:sld>
+</file>
+
 <file path=ppt/slides/slide2.xml><?xml version="1.0" encoding="utf-8"?>
 <p:sld xmlns:a="http://schemas.openxmlformats.org/drawingml/2006/main" xmlns:r="http://schemas.openxmlformats.org/officeDocument/2006/relationships" xmlns:p="http://schemas.openxmlformats.org/presentationml/2006/main">
   <p:cSld>
@@ -20799,6 +22087,96 @@
     <p:extLst>
       <p:ext uri="{BB962C8B-B14F-4D97-AF65-F5344CB8AC3E}">
         <p14:creationId xmlns:p14="http://schemas.microsoft.com/office/powerpoint/2010/main" val="779685081"/>
+      </p:ext>
+    </p:extLst>
+  </p:cSld>
+  <p:clrMapOvr>
+    <a:masterClrMapping/>
+  </p:clrMapOvr>
+</p:sld>
+</file>
+
+<file path=ppt/slides/slide20.xml><?xml version="1.0" encoding="utf-8"?>
+<p:sld xmlns:a="http://schemas.openxmlformats.org/drawingml/2006/main" xmlns:r="http://schemas.openxmlformats.org/officeDocument/2006/relationships" xmlns:p="http://schemas.openxmlformats.org/presentationml/2006/main">
+  <p:cSld>
+    <p:spTree>
+      <p:nvGrpSpPr>
+        <p:cNvPr id="1" name=""/>
+        <p:cNvGrpSpPr/>
+        <p:nvPr/>
+      </p:nvGrpSpPr>
+      <p:grpSpPr>
+        <a:xfrm>
+          <a:off x="0" y="0"/>
+          <a:ext cx="0" cy="0"/>
+          <a:chOff x="0" y="0"/>
+          <a:chExt cx="0" cy="0"/>
+        </a:xfrm>
+      </p:grpSpPr>
+      <p:sp>
+        <p:nvSpPr>
+          <p:cNvPr id="2" name="Title 1">
+            <a:extLst>
+              <a:ext uri="{FF2B5EF4-FFF2-40B4-BE49-F238E27FC236}">
+                <a16:creationId xmlns:a16="http://schemas.microsoft.com/office/drawing/2014/main" id="{743F236C-1796-4980-AE9E-4560BCA0A3A7}"/>
+              </a:ext>
+            </a:extLst>
+          </p:cNvPr>
+          <p:cNvSpPr>
+            <a:spLocks noGrp="1"/>
+          </p:cNvSpPr>
+          <p:nvPr>
+            <p:ph type="title"/>
+          </p:nvPr>
+        </p:nvSpPr>
+        <p:spPr/>
+        <p:txBody>
+          <a:bodyPr/>
+          <a:lstStyle/>
+          <a:p>
+            <a:r>
+              <a:rPr lang="en-US" dirty="0"/>
+              <a:t>Guest Flowchart</a:t>
+            </a:r>
+          </a:p>
+        </p:txBody>
+      </p:sp>
+      <p:pic>
+        <p:nvPicPr>
+          <p:cNvPr id="4" name="Content Placeholder 3">
+            <a:extLst>
+              <a:ext uri="{FF2B5EF4-FFF2-40B4-BE49-F238E27FC236}">
+                <a16:creationId xmlns:a16="http://schemas.microsoft.com/office/drawing/2014/main" id="{F6A1D9AB-4B6C-4C41-AFE8-B8E0837B95E9}"/>
+              </a:ext>
+            </a:extLst>
+          </p:cNvPr>
+          <p:cNvPicPr>
+            <a:picLocks noGrp="1" noChangeAspect="1"/>
+          </p:cNvPicPr>
+          <p:nvPr>
+            <p:ph idx="1"/>
+          </p:nvPr>
+        </p:nvPicPr>
+        <p:blipFill>
+          <a:blip r:embed="rId2"/>
+          <a:stretch>
+            <a:fillRect/>
+          </a:stretch>
+        </p:blipFill>
+        <p:spPr>
+          <a:xfrm>
+            <a:off x="1873189" y="2084832"/>
+            <a:ext cx="7865616" cy="4385569"/>
+          </a:xfrm>
+          <a:prstGeom prst="rect">
+            <a:avLst/>
+          </a:prstGeom>
+        </p:spPr>
+      </p:pic>
+    </p:spTree>
+    <p:extLst>
+      <p:ext uri="{BB962C8B-B14F-4D97-AF65-F5344CB8AC3E}">
+        <p14:creationId xmlns:p14="http://schemas.microsoft.com/office/powerpoint/2010/main" val="195533143"/>
       </p:ext>
     </p:extLst>
   </p:cSld>
@@ -21478,6 +22856,103 @@
 </p:sld>
 </file>
 
+<file path=ppt/slides/slide9.xml><?xml version="1.0" encoding="utf-8"?>
+<p:sld xmlns:a="http://schemas.openxmlformats.org/drawingml/2006/main" xmlns:r="http://schemas.openxmlformats.org/officeDocument/2006/relationships" xmlns:p="http://schemas.openxmlformats.org/presentationml/2006/main">
+  <p:cSld>
+    <p:spTree>
+      <p:nvGrpSpPr>
+        <p:cNvPr id="1" name=""/>
+        <p:cNvGrpSpPr/>
+        <p:nvPr/>
+      </p:nvGrpSpPr>
+      <p:grpSpPr>
+        <a:xfrm>
+          <a:off x="0" y="0"/>
+          <a:ext cx="0" cy="0"/>
+          <a:chOff x="0" y="0"/>
+          <a:chExt cx="0" cy="0"/>
+        </a:xfrm>
+      </p:grpSpPr>
+      <p:sp>
+        <p:nvSpPr>
+          <p:cNvPr id="2" name="Title 1">
+            <a:extLst>
+              <a:ext uri="{FF2B5EF4-FFF2-40B4-BE49-F238E27FC236}">
+                <a16:creationId xmlns:a16="http://schemas.microsoft.com/office/drawing/2014/main" id="{2ED07801-4BC3-439D-82AC-9BD35B39FD4B}"/>
+              </a:ext>
+            </a:extLst>
+          </p:cNvPr>
+          <p:cNvSpPr>
+            <a:spLocks noGrp="1"/>
+          </p:cNvSpPr>
+          <p:nvPr>
+            <p:ph type="title"/>
+          </p:nvPr>
+        </p:nvSpPr>
+        <p:spPr>
+          <a:xfrm>
+            <a:off x="1024128" y="66582"/>
+            <a:ext cx="9720072" cy="856696"/>
+          </a:xfrm>
+        </p:spPr>
+        <p:txBody>
+          <a:bodyPr>
+            <a:normAutofit/>
+          </a:bodyPr>
+          <a:lstStyle/>
+          <a:p>
+            <a:r>
+              <a:rPr lang="en-US" dirty="0"/>
+              <a:t>			  Context level </a:t>
+            </a:r>
+          </a:p>
+        </p:txBody>
+      </p:sp>
+      <p:pic>
+        <p:nvPicPr>
+          <p:cNvPr id="4" name="Content Placeholder 3">
+            <a:extLst>
+              <a:ext uri="{FF2B5EF4-FFF2-40B4-BE49-F238E27FC236}">
+                <a16:creationId xmlns:a16="http://schemas.microsoft.com/office/drawing/2014/main" id="{F539B7EB-88FC-4877-B0E1-22CAFCE4F3FD}"/>
+              </a:ext>
+            </a:extLst>
+          </p:cNvPr>
+          <p:cNvPicPr>
+            <a:picLocks noGrp="1" noChangeAspect="1"/>
+          </p:cNvPicPr>
+          <p:nvPr>
+            <p:ph idx="1"/>
+          </p:nvPr>
+        </p:nvPicPr>
+        <p:blipFill>
+          <a:blip r:embed="rId2"/>
+          <a:stretch>
+            <a:fillRect/>
+          </a:stretch>
+        </p:blipFill>
+        <p:spPr>
+          <a:xfrm>
+            <a:off x="1740023" y="1305018"/>
+            <a:ext cx="8611340" cy="5486400"/>
+          </a:xfrm>
+          <a:prstGeom prst="rect">
+            <a:avLst/>
+          </a:prstGeom>
+        </p:spPr>
+      </p:pic>
+    </p:spTree>
+    <p:extLst>
+      <p:ext uri="{BB962C8B-B14F-4D97-AF65-F5344CB8AC3E}">
+        <p14:creationId xmlns:p14="http://schemas.microsoft.com/office/powerpoint/2010/main" val="3024260947"/>
+      </p:ext>
+    </p:extLst>
+  </p:cSld>
+  <p:clrMapOvr>
+    <a:masterClrMapping/>
+  </p:clrMapOvr>
+</p:sld>
+</file>
+
 <file path=ppt/theme/theme1.xml><?xml version="1.0" encoding="utf-8"?>
 <a:theme xmlns:a="http://schemas.openxmlformats.org/drawingml/2006/main" name="Integral">
   <a:themeElements>
@@ -21744,4 +23219,299 @@
     </a:ext>
   </a:extLst>
 </a:theme>
+</file>
+
+<file path=ppt/theme/theme2.xml><?xml version="1.0" encoding="utf-8"?>
+<a:theme xmlns:a="http://schemas.openxmlformats.org/drawingml/2006/main" name="Office Theme">
+  <a:themeElements>
+    <a:clrScheme name="Office">
+      <a:dk1>
+        <a:sysClr val="windowText" lastClr="000000"/>
+      </a:dk1>
+      <a:lt1>
+        <a:sysClr val="window" lastClr="FFFFFF"/>
+      </a:lt1>
+      <a:dk2>
+        <a:srgbClr val="44546A"/>
+      </a:dk2>
+      <a:lt2>
+        <a:srgbClr val="E7E6E6"/>
+      </a:lt2>
+      <a:accent1>
+        <a:srgbClr val="4472C4"/>
+      </a:accent1>
+      <a:accent2>
+        <a:srgbClr val="ED7D31"/>
+      </a:accent2>
+      <a:accent3>
+        <a:srgbClr val="A5A5A5"/>
+      </a:accent3>
+      <a:accent4>
+        <a:srgbClr val="FFC000"/>
+      </a:accent4>
+      <a:accent5>
+        <a:srgbClr val="5B9BD5"/>
+      </a:accent5>
+      <a:accent6>
+        <a:srgbClr val="70AD47"/>
+      </a:accent6>
+      <a:hlink>
+        <a:srgbClr val="0563C1"/>
+      </a:hlink>
+      <a:folHlink>
+        <a:srgbClr val="954F72"/>
+      </a:folHlink>
+    </a:clrScheme>
+    <a:fontScheme name="Office">
+      <a:majorFont>
+        <a:latin typeface="Calibri Light" panose="020F0302020204030204"/>
+        <a:ea typeface=""/>
+        <a:cs typeface=""/>
+        <a:font script="Jpan" typeface="游ゴシック Light"/>
+        <a:font script="Hang" typeface="맑은 고딕"/>
+        <a:font script="Hans" typeface="等线 Light"/>
+        <a:font script="Hant" typeface="新細明體"/>
+        <a:font script="Arab" typeface="Times New Roman"/>
+        <a:font script="Hebr" typeface="Times New Roman"/>
+        <a:font script="Thai" typeface="Angsana New"/>
+        <a:font script="Ethi" typeface="Nyala"/>
+        <a:font script="Beng" typeface="Vrinda"/>
+        <a:font script="Gujr" typeface="Shruti"/>
+        <a:font script="Khmr" typeface="MoolBoran"/>
+        <a:font script="Knda" typeface="Tunga"/>
+        <a:font script="Guru" typeface="Raavi"/>
+        <a:font script="Cans" typeface="Euphemia"/>
+        <a:font script="Cher" typeface="Plantagenet Cherokee"/>
+        <a:font script="Yiii" typeface="Microsoft Yi Baiti"/>
+        <a:font script="Tibt" typeface="Microsoft Himalaya"/>
+        <a:font script="Thaa" typeface="MV Boli"/>
+        <a:font script="Deva" typeface="Mangal"/>
+        <a:font script="Telu" typeface="Gautami"/>
+        <a:font script="Taml" typeface="Latha"/>
+        <a:font script="Syrc" typeface="Estrangelo Edessa"/>
+        <a:font script="Orya" typeface="Kalinga"/>
+        <a:font script="Mlym" typeface="Kartika"/>
+        <a:font script="Laoo" typeface="DokChampa"/>
+        <a:font script="Sinh" typeface="Iskoola Pota"/>
+        <a:font script="Mong" typeface="Mongolian Baiti"/>
+        <a:font script="Viet" typeface="Times New Roman"/>
+        <a:font script="Uigh" typeface="Microsoft Uighur"/>
+        <a:font script="Geor" typeface="Sylfaen"/>
+        <a:font script="Armn" typeface="Arial"/>
+        <a:font script="Bugi" typeface="Leelawadee UI"/>
+        <a:font script="Bopo" typeface="Microsoft JhengHei"/>
+        <a:font script="Java" typeface="Javanese Text"/>
+        <a:font script="Lisu" typeface="Segoe UI"/>
+        <a:font script="Mymr" typeface="Myanmar Text"/>
+        <a:font script="Nkoo" typeface="Ebrima"/>
+        <a:font script="Olck" typeface="Nirmala UI"/>
+        <a:font script="Osma" typeface="Ebrima"/>
+        <a:font script="Phag" typeface="Phagspa"/>
+        <a:font script="Syrn" typeface="Estrangelo Edessa"/>
+        <a:font script="Syrj" typeface="Estrangelo Edessa"/>
+        <a:font script="Syre" typeface="Estrangelo Edessa"/>
+        <a:font script="Sora" typeface="Nirmala UI"/>
+        <a:font script="Tale" typeface="Microsoft Tai Le"/>
+        <a:font script="Talu" typeface="Microsoft New Tai Lue"/>
+        <a:font script="Tfng" typeface="Ebrima"/>
+      </a:majorFont>
+      <a:minorFont>
+        <a:latin typeface="Calibri" panose="020F0502020204030204"/>
+        <a:ea typeface=""/>
+        <a:cs typeface=""/>
+        <a:font script="Jpan" typeface="游ゴシック"/>
+        <a:font script="Hang" typeface="맑은 고딕"/>
+        <a:font script="Hans" typeface="等线"/>
+        <a:font script="Hant" typeface="新細明體"/>
+        <a:font script="Arab" typeface="Arial"/>
+        <a:font script="Hebr" typeface="Arial"/>
+        <a:font script="Thai" typeface="Cordia New"/>
+        <a:font script="Ethi" typeface="Nyala"/>
+        <a:font script="Beng" typeface="Vrinda"/>
+        <a:font script="Gujr" typeface="Shruti"/>
+        <a:font script="Khmr" typeface="DaunPenh"/>
+        <a:font script="Knda" typeface="Tunga"/>
+        <a:font script="Guru" typeface="Raavi"/>
+        <a:font script="Cans" typeface="Euphemia"/>
+        <a:font script="Cher" typeface="Plantagenet Cherokee"/>
+        <a:font script="Yiii" typeface="Microsoft Yi Baiti"/>
+        <a:font script="Tibt" typeface="Microsoft Himalaya"/>
+        <a:font script="Thaa" typeface="MV Boli"/>
+        <a:font script="Deva" typeface="Mangal"/>
+        <a:font script="Telu" typeface="Gautami"/>
+        <a:font script="Taml" typeface="Latha"/>
+        <a:font script="Syrc" typeface="Estrangelo Edessa"/>
+        <a:font script="Orya" typeface="Kalinga"/>
+        <a:font script="Mlym" typeface="Kartika"/>
+        <a:font script="Laoo" typeface="DokChampa"/>
+        <a:font script="Sinh" typeface="Iskoola Pota"/>
+        <a:font script="Mong" typeface="Mongolian Baiti"/>
+        <a:font script="Viet" typeface="Arial"/>
+        <a:font script="Uigh" typeface="Microsoft Uighur"/>
+        <a:font script="Geor" typeface="Sylfaen"/>
+        <a:font script="Armn" typeface="Arial"/>
+        <a:font script="Bugi" typeface="Leelawadee UI"/>
+        <a:font script="Bopo" typeface="Microsoft JhengHei"/>
+        <a:font script="Java" typeface="Javanese Text"/>
+        <a:font script="Lisu" typeface="Segoe UI"/>
+        <a:font script="Mymr" typeface="Myanmar Text"/>
+        <a:font script="Nkoo" typeface="Ebrima"/>
+        <a:font script="Olck" typeface="Nirmala UI"/>
+        <a:font script="Osma" typeface="Ebrima"/>
+        <a:font script="Phag" typeface="Phagspa"/>
+        <a:font script="Syrn" typeface="Estrangelo Edessa"/>
+        <a:font script="Syrj" typeface="Estrangelo Edessa"/>
+        <a:font script="Syre" typeface="Estrangelo Edessa"/>
+        <a:font script="Sora" typeface="Nirmala UI"/>
+        <a:font script="Tale" typeface="Microsoft Tai Le"/>
+        <a:font script="Talu" typeface="Microsoft New Tai Lue"/>
+        <a:font script="Tfng" typeface="Ebrima"/>
+      </a:minorFont>
+    </a:fontScheme>
+    <a:fmtScheme name="Office">
+      <a:fillStyleLst>
+        <a:solidFill>
+          <a:schemeClr val="phClr"/>
+        </a:solidFill>
+        <a:gradFill rotWithShape="1">
+          <a:gsLst>
+            <a:gs pos="0">
+              <a:schemeClr val="phClr">
+                <a:lumMod val="110000"/>
+                <a:satMod val="105000"/>
+                <a:tint val="67000"/>
+              </a:schemeClr>
+            </a:gs>
+            <a:gs pos="50000">
+              <a:schemeClr val="phClr">
+                <a:lumMod val="105000"/>
+                <a:satMod val="103000"/>
+                <a:tint val="73000"/>
+              </a:schemeClr>
+            </a:gs>
+            <a:gs pos="100000">
+              <a:schemeClr val="phClr">
+                <a:lumMod val="105000"/>
+                <a:satMod val="109000"/>
+                <a:tint val="81000"/>
+              </a:schemeClr>
+            </a:gs>
+          </a:gsLst>
+          <a:lin ang="5400000" scaled="0"/>
+        </a:gradFill>
+        <a:gradFill rotWithShape="1">
+          <a:gsLst>
+            <a:gs pos="0">
+              <a:schemeClr val="phClr">
+                <a:satMod val="103000"/>
+                <a:lumMod val="102000"/>
+                <a:tint val="94000"/>
+              </a:schemeClr>
+            </a:gs>
+            <a:gs pos="50000">
+              <a:schemeClr val="phClr">
+                <a:satMod val="110000"/>
+                <a:lumMod val="100000"/>
+                <a:shade val="100000"/>
+              </a:schemeClr>
+            </a:gs>
+            <a:gs pos="100000">
+              <a:schemeClr val="phClr">
+                <a:lumMod val="99000"/>
+                <a:satMod val="120000"/>
+                <a:shade val="78000"/>
+              </a:schemeClr>
+            </a:gs>
+          </a:gsLst>
+          <a:lin ang="5400000" scaled="0"/>
+        </a:gradFill>
+      </a:fillStyleLst>
+      <a:lnStyleLst>
+        <a:ln w="6350" cap="flat" cmpd="sng" algn="ctr">
+          <a:solidFill>
+            <a:schemeClr val="phClr"/>
+          </a:solidFill>
+          <a:prstDash val="solid"/>
+          <a:miter lim="800000"/>
+        </a:ln>
+        <a:ln w="12700" cap="flat" cmpd="sng" algn="ctr">
+          <a:solidFill>
+            <a:schemeClr val="phClr"/>
+          </a:solidFill>
+          <a:prstDash val="solid"/>
+          <a:miter lim="800000"/>
+        </a:ln>
+        <a:ln w="19050" cap="flat" cmpd="sng" algn="ctr">
+          <a:solidFill>
+            <a:schemeClr val="phClr"/>
+          </a:solidFill>
+          <a:prstDash val="solid"/>
+          <a:miter lim="800000"/>
+        </a:ln>
+      </a:lnStyleLst>
+      <a:effectStyleLst>
+        <a:effectStyle>
+          <a:effectLst/>
+        </a:effectStyle>
+        <a:effectStyle>
+          <a:effectLst/>
+        </a:effectStyle>
+        <a:effectStyle>
+          <a:effectLst>
+            <a:outerShdw blurRad="57150" dist="19050" dir="5400000" algn="ctr" rotWithShape="0">
+              <a:srgbClr val="000000">
+                <a:alpha val="63000"/>
+              </a:srgbClr>
+            </a:outerShdw>
+          </a:effectLst>
+        </a:effectStyle>
+      </a:effectStyleLst>
+      <a:bgFillStyleLst>
+        <a:solidFill>
+          <a:schemeClr val="phClr"/>
+        </a:solidFill>
+        <a:solidFill>
+          <a:schemeClr val="phClr">
+            <a:tint val="95000"/>
+            <a:satMod val="170000"/>
+          </a:schemeClr>
+        </a:solidFill>
+        <a:gradFill rotWithShape="1">
+          <a:gsLst>
+            <a:gs pos="0">
+              <a:schemeClr val="phClr">
+                <a:tint val="93000"/>
+                <a:satMod val="150000"/>
+                <a:shade val="98000"/>
+                <a:lumMod val="102000"/>
+              </a:schemeClr>
+            </a:gs>
+            <a:gs pos="50000">
+              <a:schemeClr val="phClr">
+                <a:tint val="98000"/>
+                <a:satMod val="130000"/>
+                <a:shade val="90000"/>
+                <a:lumMod val="103000"/>
+              </a:schemeClr>
+            </a:gs>
+            <a:gs pos="100000">
+              <a:schemeClr val="phClr">
+                <a:shade val="63000"/>
+                <a:satMod val="120000"/>
+              </a:schemeClr>
+            </a:gs>
+          </a:gsLst>
+          <a:lin ang="5400000" scaled="0"/>
+        </a:gradFill>
+      </a:bgFillStyleLst>
+    </a:fmtScheme>
+  </a:themeElements>
+  <a:objectDefaults/>
+  <a:extraClrSchemeLst/>
+  <a:extLst>
+    <a:ext uri="{05A4C25C-085E-4340-85A3-A5531E510DB2}">
+      <thm15:themeFamily xmlns:thm15="http://schemas.microsoft.com/office/thememl/2012/main" name="Office Theme" id="{62F939B6-93AF-4DB8-9C6B-D6C7DFDC589F}" vid="{4A3C46E8-61CC-4603-A589-7422A47A8E4A}"/>
+    </a:ext>
+  </a:extLst>
+</a:theme>
 </file>